--- a/Soutenance.pptx
+++ b/Soutenance.pptx
@@ -320,12 +320,12 @@
   </p:clrMapOvr>
   <mc:AlternateContent xmlns:mc="http://schemas.openxmlformats.org/markup-compatibility/2006" xmlns:p15="http://schemas.microsoft.com/office/powerpoint/2012/main">
     <mc:Choice Requires="p15">
-      <p:transition spd="med">
+      <p:transition>
         <p15:prstTrans prst="prestige"/>
       </p:transition>
     </mc:Choice>
     <mc:Fallback xmlns="">
-      <p:transition spd="med">
+      <p:transition>
         <p:fade/>
       </p:transition>
     </mc:Fallback>
@@ -502,12 +502,12 @@
   </p:clrMapOvr>
   <mc:AlternateContent xmlns:mc="http://schemas.openxmlformats.org/markup-compatibility/2006" xmlns:p15="http://schemas.microsoft.com/office/powerpoint/2012/main">
     <mc:Choice Requires="p15">
-      <p:transition spd="med">
+      <p:transition>
         <p15:prstTrans prst="prestige"/>
       </p:transition>
     </mc:Choice>
     <mc:Fallback xmlns="">
-      <p:transition spd="med">
+      <p:transition>
         <p:fade/>
       </p:transition>
     </mc:Fallback>
@@ -694,12 +694,12 @@
   </p:clrMapOvr>
   <mc:AlternateContent xmlns:mc="http://schemas.openxmlformats.org/markup-compatibility/2006" xmlns:p15="http://schemas.microsoft.com/office/powerpoint/2012/main">
     <mc:Choice Requires="p15">
-      <p:transition spd="med">
+      <p:transition>
         <p15:prstTrans prst="prestige"/>
       </p:transition>
     </mc:Choice>
     <mc:Fallback xmlns="">
-      <p:transition spd="med">
+      <p:transition>
         <p:fade/>
       </p:transition>
     </mc:Fallback>
@@ -876,12 +876,12 @@
   </p:clrMapOvr>
   <mc:AlternateContent xmlns:mc="http://schemas.openxmlformats.org/markup-compatibility/2006" xmlns:p15="http://schemas.microsoft.com/office/powerpoint/2012/main">
     <mc:Choice Requires="p15">
-      <p:transition spd="med">
+      <p:transition>
         <p15:prstTrans prst="prestige"/>
       </p:transition>
     </mc:Choice>
     <mc:Fallback xmlns="">
-      <p:transition spd="med">
+      <p:transition>
         <p:fade/>
       </p:transition>
     </mc:Fallback>
@@ -1134,12 +1134,12 @@
   </p:clrMapOvr>
   <mc:AlternateContent xmlns:mc="http://schemas.openxmlformats.org/markup-compatibility/2006" xmlns:p15="http://schemas.microsoft.com/office/powerpoint/2012/main">
     <mc:Choice Requires="p15">
-      <p:transition spd="med">
+      <p:transition>
         <p15:prstTrans prst="prestige"/>
       </p:transition>
     </mc:Choice>
     <mc:Fallback xmlns="">
-      <p:transition spd="med">
+      <p:transition>
         <p:fade/>
       </p:transition>
     </mc:Fallback>
@@ -1378,12 +1378,12 @@
   </p:clrMapOvr>
   <mc:AlternateContent xmlns:mc="http://schemas.openxmlformats.org/markup-compatibility/2006" xmlns:p15="http://schemas.microsoft.com/office/powerpoint/2012/main">
     <mc:Choice Requires="p15">
-      <p:transition spd="med">
+      <p:transition>
         <p15:prstTrans prst="prestige"/>
       </p:transition>
     </mc:Choice>
     <mc:Fallback xmlns="">
-      <p:transition spd="med">
+      <p:transition>
         <p:fade/>
       </p:transition>
     </mc:Fallback>
@@ -1757,12 +1757,12 @@
   </p:clrMapOvr>
   <mc:AlternateContent xmlns:mc="http://schemas.openxmlformats.org/markup-compatibility/2006" xmlns:p15="http://schemas.microsoft.com/office/powerpoint/2012/main">
     <mc:Choice Requires="p15">
-      <p:transition spd="med">
+      <p:transition>
         <p15:prstTrans prst="prestige"/>
       </p:transition>
     </mc:Choice>
     <mc:Fallback xmlns="">
-      <p:transition spd="med">
+      <p:transition>
         <p:fade/>
       </p:transition>
     </mc:Fallback>
@@ -1887,12 +1887,12 @@
   </p:clrMapOvr>
   <mc:AlternateContent xmlns:mc="http://schemas.openxmlformats.org/markup-compatibility/2006" xmlns:p15="http://schemas.microsoft.com/office/powerpoint/2012/main">
     <mc:Choice Requires="p15">
-      <p:transition spd="med">
+      <p:transition>
         <p15:prstTrans prst="prestige"/>
       </p:transition>
     </mc:Choice>
     <mc:Fallback xmlns="">
-      <p:transition spd="med">
+      <p:transition>
         <p:fade/>
       </p:transition>
     </mc:Fallback>
@@ -1994,12 +1994,12 @@
   </p:clrMapOvr>
   <mc:AlternateContent xmlns:mc="http://schemas.openxmlformats.org/markup-compatibility/2006" xmlns:p15="http://schemas.microsoft.com/office/powerpoint/2012/main">
     <mc:Choice Requires="p15">
-      <p:transition spd="med">
+      <p:transition>
         <p15:prstTrans prst="prestige"/>
       </p:transition>
     </mc:Choice>
     <mc:Fallback xmlns="">
-      <p:transition spd="med">
+      <p:transition>
         <p:fade/>
       </p:transition>
     </mc:Fallback>
@@ -2283,12 +2283,12 @@
   </p:clrMapOvr>
   <mc:AlternateContent xmlns:mc="http://schemas.openxmlformats.org/markup-compatibility/2006" xmlns:p15="http://schemas.microsoft.com/office/powerpoint/2012/main">
     <mc:Choice Requires="p15">
-      <p:transition spd="med">
+      <p:transition>
         <p15:prstTrans prst="prestige"/>
       </p:transition>
     </mc:Choice>
     <mc:Fallback xmlns="">
-      <p:transition spd="med">
+      <p:transition>
         <p:fade/>
       </p:transition>
     </mc:Fallback>
@@ -2548,12 +2548,12 @@
   </p:clrMapOvr>
   <mc:AlternateContent xmlns:mc="http://schemas.openxmlformats.org/markup-compatibility/2006" xmlns:p15="http://schemas.microsoft.com/office/powerpoint/2012/main">
     <mc:Choice Requires="p15">
-      <p:transition spd="med">
+      <p:transition>
         <p15:prstTrans prst="prestige"/>
       </p:transition>
     </mc:Choice>
     <mc:Fallback xmlns="">
-      <p:transition spd="med">
+      <p:transition>
         <p:fade/>
       </p:transition>
     </mc:Fallback>
@@ -2830,12 +2830,12 @@
   </p:sldLayoutIdLst>
   <mc:AlternateContent xmlns:mc="http://schemas.openxmlformats.org/markup-compatibility/2006" xmlns:p15="http://schemas.microsoft.com/office/powerpoint/2012/main">
     <mc:Choice Requires="p15">
-      <p:transition spd="med">
+      <p:transition>
         <p15:prstTrans prst="prestige"/>
       </p:transition>
     </mc:Choice>
     <mc:Fallback xmlns="">
-      <p:transition spd="med">
+      <p:transition>
         <p:fade/>
       </p:transition>
     </mc:Fallback>
@@ -3208,7 +3208,23 @@
                   <a:schemeClr val="tx1"/>
                 </a:solidFill>
               </a:rPr>
-              <a:t> Réalisation d’un jeu de loups garous</a:t>
+              <a:t> </a:t>
+            </a:r>
+            <a:r>
+              <a:rPr lang="fr-FR" sz="3200" smtClean="0">
+                <a:solidFill>
+                  <a:schemeClr val="tx1"/>
+                </a:solidFill>
+              </a:rPr>
+              <a:t>Réalisation du </a:t>
+            </a:r>
+            <a:r>
+              <a:rPr lang="fr-FR" sz="3200" dirty="0" smtClean="0">
+                <a:solidFill>
+                  <a:schemeClr val="tx1"/>
+                </a:solidFill>
+              </a:rPr>
+              <a:t>jeu de loups garous</a:t>
             </a:r>
           </a:p>
         </p:txBody>
@@ -3225,12 +3241,12 @@
   </p:clrMapOvr>
   <mc:AlternateContent xmlns:mc="http://schemas.openxmlformats.org/markup-compatibility/2006" xmlns:p15="http://schemas.microsoft.com/office/powerpoint/2012/main">
     <mc:Choice Requires="p15">
-      <p:transition spd="med">
+      <p:transition>
         <p15:prstTrans prst="prestige"/>
       </p:transition>
     </mc:Choice>
     <mc:Fallback xmlns="">
-      <p:transition spd="med">
+      <p:transition>
         <p:fade/>
       </p:transition>
     </mc:Fallback>
@@ -4559,12 +4575,12 @@
   </p:clrMapOvr>
   <mc:AlternateContent xmlns:mc="http://schemas.openxmlformats.org/markup-compatibility/2006" xmlns:p15="http://schemas.microsoft.com/office/powerpoint/2012/main">
     <mc:Choice Requires="p15">
-      <p:transition spd="med">
+      <p:transition>
         <p15:prstTrans prst="prestige"/>
       </p:transition>
     </mc:Choice>
     <mc:Fallback xmlns="">
-      <p:transition spd="med">
+      <p:transition>
         <p:fade/>
       </p:transition>
     </mc:Fallback>
@@ -7194,12 +7210,12 @@
   </p:clrMapOvr>
   <mc:AlternateContent xmlns:mc="http://schemas.openxmlformats.org/markup-compatibility/2006" xmlns:p15="http://schemas.microsoft.com/office/powerpoint/2012/main">
     <mc:Choice Requires="p15">
-      <p:transition spd="slow">
+      <p:transition>
         <p15:prstTrans prst="prestige"/>
       </p:transition>
     </mc:Choice>
     <mc:Fallback xmlns="">
-      <p:transition spd="slow">
+      <p:transition>
         <p:fade/>
       </p:transition>
     </mc:Fallback>
@@ -9956,12 +9972,16 @@
   <p:clrMapOvr>
     <a:masterClrMapping/>
   </p:clrMapOvr>
-  <mc:AlternateContent xmlns:mc="http://schemas.openxmlformats.org/markup-compatibility/2006" xmlns:p14="http://schemas.microsoft.com/office/powerpoint/2010/main">
-    <mc:Choice Requires="p14">
-      <p:transition p14:dur="0"/>
+  <mc:AlternateContent xmlns:mc="http://schemas.openxmlformats.org/markup-compatibility/2006" xmlns:p15="http://schemas.microsoft.com/office/powerpoint/2012/main">
+    <mc:Choice Requires="p15">
+      <p:transition>
+        <p15:prstTrans prst="prestige"/>
+      </p:transition>
     </mc:Choice>
     <mc:Fallback xmlns="">
-      <p:transition/>
+      <p:transition>
+        <p:fade/>
+      </p:transition>
     </mc:Fallback>
   </mc:AlternateContent>
   <p:timing>
@@ -12722,12 +12742,16 @@
   <p:clrMapOvr>
     <a:masterClrMapping/>
   </p:clrMapOvr>
-  <mc:AlternateContent xmlns:mc="http://schemas.openxmlformats.org/markup-compatibility/2006" xmlns:p14="http://schemas.microsoft.com/office/powerpoint/2010/main">
-    <mc:Choice Requires="p14">
-      <p:transition p14:dur="0"/>
+  <mc:AlternateContent xmlns:mc="http://schemas.openxmlformats.org/markup-compatibility/2006" xmlns:p15="http://schemas.microsoft.com/office/powerpoint/2012/main">
+    <mc:Choice Requires="p15">
+      <p:transition>
+        <p15:prstTrans prst="prestige"/>
+      </p:transition>
     </mc:Choice>
     <mc:Fallback xmlns="">
-      <p:transition/>
+      <p:transition>
+        <p:fade/>
+      </p:transition>
     </mc:Fallback>
   </mc:AlternateContent>
   <p:timing>
@@ -15368,12 +15392,16 @@
   <p:clrMapOvr>
     <a:masterClrMapping/>
   </p:clrMapOvr>
-  <mc:AlternateContent xmlns:mc="http://schemas.openxmlformats.org/markup-compatibility/2006" xmlns:p14="http://schemas.microsoft.com/office/powerpoint/2010/main">
-    <mc:Choice Requires="p14">
-      <p:transition p14:dur="0"/>
+  <mc:AlternateContent xmlns:mc="http://schemas.openxmlformats.org/markup-compatibility/2006" xmlns:p15="http://schemas.microsoft.com/office/powerpoint/2012/main">
+    <mc:Choice Requires="p15">
+      <p:transition>
+        <p15:prstTrans prst="prestige"/>
+      </p:transition>
     </mc:Choice>
     <mc:Fallback xmlns="">
-      <p:transition/>
+      <p:transition>
+        <p:fade/>
+      </p:transition>
     </mc:Fallback>
   </mc:AlternateContent>
   <p:timing>
@@ -18688,12 +18716,16 @@
   <p:clrMapOvr>
     <a:masterClrMapping/>
   </p:clrMapOvr>
-  <mc:AlternateContent xmlns:mc="http://schemas.openxmlformats.org/markup-compatibility/2006" xmlns:p14="http://schemas.microsoft.com/office/powerpoint/2010/main">
-    <mc:Choice Requires="p14">
-      <p:transition p14:dur="0"/>
+  <mc:AlternateContent xmlns:mc="http://schemas.openxmlformats.org/markup-compatibility/2006" xmlns:p15="http://schemas.microsoft.com/office/powerpoint/2012/main">
+    <mc:Choice Requires="p15">
+      <p:transition>
+        <p15:prstTrans prst="prestige"/>
+      </p:transition>
     </mc:Choice>
     <mc:Fallback xmlns="">
-      <p:transition/>
+      <p:transition>
+        <p:fade/>
+      </p:transition>
     </mc:Fallback>
   </mc:AlternateContent>
   <p:timing>
@@ -22004,12 +22036,16 @@
   <p:clrMapOvr>
     <a:masterClrMapping/>
   </p:clrMapOvr>
-  <mc:AlternateContent xmlns:mc="http://schemas.openxmlformats.org/markup-compatibility/2006" xmlns:p14="http://schemas.microsoft.com/office/powerpoint/2010/main">
-    <mc:Choice Requires="p14">
-      <p:transition p14:dur="0"/>
+  <mc:AlternateContent xmlns:mc="http://schemas.openxmlformats.org/markup-compatibility/2006" xmlns:p15="http://schemas.microsoft.com/office/powerpoint/2012/main">
+    <mc:Choice Requires="p15">
+      <p:transition>
+        <p15:prstTrans prst="prestige"/>
+      </p:transition>
     </mc:Choice>
     <mc:Fallback xmlns="">
-      <p:transition/>
+      <p:transition>
+        <p:fade/>
+      </p:transition>
     </mc:Fallback>
   </mc:AlternateContent>
   <p:timing>
@@ -22676,12 +22712,12 @@
   </p:clrMapOvr>
   <mc:AlternateContent xmlns:mc="http://schemas.openxmlformats.org/markup-compatibility/2006" xmlns:p15="http://schemas.microsoft.com/office/powerpoint/2012/main">
     <mc:Choice Requires="p15">
-      <p:transition spd="med">
+      <p:transition>
         <p15:prstTrans prst="prestige"/>
       </p:transition>
     </mc:Choice>
     <mc:Fallback xmlns="">
-      <p:transition spd="med">
+      <p:transition>
         <p:fade/>
       </p:transition>
     </mc:Fallback>
@@ -22721,8 +22757,8 @@
         </p:nvSpPr>
         <p:spPr>
           <a:xfrm>
-            <a:off x="812522" y="1173858"/>
-            <a:ext cx="10480431" cy="5244860"/>
+            <a:off x="812522" y="1216324"/>
+            <a:ext cx="10480431" cy="5202393"/>
           </a:xfrm>
           <a:prstGeom prst="rect">
             <a:avLst/>
@@ -22985,8 +23021,8 @@
         </p:nvSpPr>
         <p:spPr>
           <a:xfrm>
-            <a:off x="2185913" y="2774278"/>
-            <a:ext cx="1753481" cy="523220"/>
+            <a:off x="3899141" y="2834878"/>
+            <a:ext cx="2438398" cy="307777"/>
           </a:xfrm>
           <a:prstGeom prst="rect">
             <a:avLst/>
@@ -23001,8 +23037,12 @@
           <a:p>
             <a:pPr algn="ctr"/>
             <a:r>
+              <a:rPr lang="fr-FR" sz="1400" dirty="0" smtClean="0"/>
+              <a:t>Envoi message </a:t>
+            </a:r>
+            <a:r>
               <a:rPr lang="fr-FR" sz="1400" dirty="0"/>
-              <a:t>Envoie un message de mort </a:t>
+              <a:t>de mort </a:t>
             </a:r>
           </a:p>
         </p:txBody>
@@ -23471,12 +23511,12 @@
   </p:clrMapOvr>
   <mc:AlternateContent xmlns:mc="http://schemas.openxmlformats.org/markup-compatibility/2006" xmlns:p15="http://schemas.microsoft.com/office/powerpoint/2012/main">
     <mc:Choice Requires="p15">
-      <p:transition spd="med">
+      <p:transition>
         <p15:prstTrans prst="prestige"/>
       </p:transition>
     </mc:Choice>
     <mc:Fallback xmlns="">
-      <p:transition spd="med">
+      <p:transition>
         <p:fade/>
       </p:transition>
     </mc:Fallback>
@@ -24317,12 +24357,12 @@
   </p:clrMapOvr>
   <mc:AlternateContent xmlns:mc="http://schemas.openxmlformats.org/markup-compatibility/2006" xmlns:p15="http://schemas.microsoft.com/office/powerpoint/2012/main">
     <mc:Choice Requires="p15">
-      <p:transition spd="med">
+      <p:transition>
         <p15:prstTrans prst="prestige"/>
       </p:transition>
     </mc:Choice>
     <mc:Fallback xmlns="">
-      <p:transition spd="med">
+      <p:transition>
         <p:fade/>
       </p:transition>
     </mc:Fallback>
@@ -25469,12 +25509,12 @@
   </p:clrMapOvr>
   <mc:AlternateContent xmlns:mc="http://schemas.openxmlformats.org/markup-compatibility/2006" xmlns:p15="http://schemas.microsoft.com/office/powerpoint/2012/main">
     <mc:Choice Requires="p15">
-      <p:transition spd="med">
+      <p:transition>
         <p15:prstTrans prst="prestige"/>
       </p:transition>
     </mc:Choice>
     <mc:Fallback xmlns="">
-      <p:transition spd="med">
+      <p:transition>
         <p:fade/>
       </p:transition>
     </mc:Fallback>
@@ -25572,15 +25612,7 @@
                   <a:schemeClr val="tx1"/>
                 </a:solidFill>
               </a:rPr>
-              <a:t>Simulatio</a:t>
-            </a:r>
-            <a:r>
-              <a:rPr lang="fr-FR" sz="2800" dirty="0" smtClean="0">
-                <a:solidFill>
-                  <a:schemeClr val="tx1"/>
-                </a:solidFill>
-              </a:rPr>
-              <a:t>n de jeu </a:t>
+              <a:t>Simulation de jeu </a:t>
             </a:r>
             <a:r>
               <a:rPr lang="fr-FR" sz="2800" dirty="0" smtClean="0">
@@ -25602,15 +25634,7 @@
                   <a:schemeClr val="tx1"/>
                 </a:solidFill>
               </a:rPr>
-              <a:t>Simulatio</a:t>
-            </a:r>
-            <a:r>
-              <a:rPr lang="fr-FR" sz="2800" dirty="0" smtClean="0">
-                <a:solidFill>
-                  <a:schemeClr val="tx1"/>
-                </a:solidFill>
-              </a:rPr>
-              <a:t>n de jeu </a:t>
+              <a:t>Simulation de jeu </a:t>
             </a:r>
             <a:r>
               <a:rPr lang="fr-FR" sz="2800" dirty="0" smtClean="0">
@@ -25740,12 +25764,12 @@
   </p:clrMapOvr>
   <mc:AlternateContent xmlns:mc="http://schemas.openxmlformats.org/markup-compatibility/2006" xmlns:p15="http://schemas.microsoft.com/office/powerpoint/2012/main">
     <mc:Choice Requires="p15">
-      <p:transition spd="med">
+      <p:transition>
         <p15:prstTrans prst="prestige"/>
       </p:transition>
     </mc:Choice>
     <mc:Fallback xmlns="">
-      <p:transition spd="med">
+      <p:transition>
         <p:fade/>
       </p:transition>
     </mc:Fallback>
@@ -27357,12 +27381,12 @@
   </p:clrMapOvr>
   <mc:AlternateContent xmlns:mc="http://schemas.openxmlformats.org/markup-compatibility/2006" xmlns:p15="http://schemas.microsoft.com/office/powerpoint/2012/main">
     <mc:Choice Requires="p15">
-      <p:transition spd="med">
+      <p:transition>
         <p15:prstTrans prst="prestige"/>
       </p:transition>
     </mc:Choice>
     <mc:Fallback xmlns="">
-      <p:transition spd="med">
+      <p:transition>
         <p:fade/>
       </p:transition>
     </mc:Fallback>
@@ -27402,8 +27426,8 @@
         </p:nvSpPr>
         <p:spPr>
           <a:xfrm>
-            <a:off x="828430" y="1173191"/>
-            <a:ext cx="10480431" cy="5016593"/>
+            <a:off x="828430" y="1250830"/>
+            <a:ext cx="10480431" cy="4938954"/>
           </a:xfrm>
           <a:prstGeom prst="rect">
             <a:avLst/>
@@ -27452,7 +27476,7 @@
         </p:nvSpPr>
         <p:spPr>
           <a:xfrm>
-            <a:off x="2674364" y="1547900"/>
+            <a:off x="2674364" y="1772187"/>
             <a:ext cx="6850636" cy="3849600"/>
           </a:xfrm>
           <a:prstGeom prst="roundRect">
@@ -27500,7 +27524,7 @@
         </p:nvSpPr>
         <p:spPr>
           <a:xfrm>
-            <a:off x="4882780" y="2191407"/>
+            <a:off x="4882780" y="2415694"/>
             <a:ext cx="1426705" cy="564210"/>
           </a:xfrm>
           <a:prstGeom prst="roundRect">
@@ -27547,7 +27571,7 @@
         </p:nvSpPr>
         <p:spPr>
           <a:xfrm>
-            <a:off x="4882780" y="2924219"/>
+            <a:off x="4882780" y="3148506"/>
             <a:ext cx="1426705" cy="564210"/>
           </a:xfrm>
           <a:prstGeom prst="roundRect">
@@ -27594,7 +27618,7 @@
         </p:nvSpPr>
         <p:spPr>
           <a:xfrm>
-            <a:off x="6408400" y="2191407"/>
+            <a:off x="6408400" y="2415694"/>
             <a:ext cx="700375" cy="564210"/>
           </a:xfrm>
           <a:prstGeom prst="roundRect">
@@ -27641,7 +27665,7 @@
         </p:nvSpPr>
         <p:spPr>
           <a:xfrm>
-            <a:off x="7207689" y="2191407"/>
+            <a:off x="7207689" y="2415694"/>
             <a:ext cx="700375" cy="564210"/>
           </a:xfrm>
           <a:prstGeom prst="roundRect">
@@ -27688,7 +27712,7 @@
         </p:nvSpPr>
         <p:spPr>
           <a:xfrm>
-            <a:off x="8006979" y="2191407"/>
+            <a:off x="8006979" y="2415694"/>
             <a:ext cx="700375" cy="564210"/>
           </a:xfrm>
           <a:prstGeom prst="roundRect">
@@ -27735,7 +27759,7 @@
         </p:nvSpPr>
         <p:spPr>
           <a:xfrm>
-            <a:off x="6408400" y="2839918"/>
+            <a:off x="6408400" y="3064205"/>
             <a:ext cx="700375" cy="564210"/>
           </a:xfrm>
           <a:prstGeom prst="roundRect">
@@ -27782,7 +27806,7 @@
         </p:nvSpPr>
         <p:spPr>
           <a:xfrm>
-            <a:off x="7207689" y="2839918"/>
+            <a:off x="7207689" y="3064205"/>
             <a:ext cx="700375" cy="564210"/>
           </a:xfrm>
           <a:prstGeom prst="roundRect">
@@ -27829,7 +27853,7 @@
         </p:nvSpPr>
         <p:spPr>
           <a:xfrm>
-            <a:off x="8006979" y="2839918"/>
+            <a:off x="8006979" y="3064205"/>
             <a:ext cx="700375" cy="564210"/>
           </a:xfrm>
           <a:prstGeom prst="roundRect">
@@ -27876,7 +27900,7 @@
         </p:nvSpPr>
         <p:spPr>
           <a:xfrm>
-            <a:off x="6408400" y="3488429"/>
+            <a:off x="6408400" y="3712716"/>
             <a:ext cx="700375" cy="564210"/>
           </a:xfrm>
           <a:prstGeom prst="roundRect">
@@ -27923,7 +27947,7 @@
         </p:nvSpPr>
         <p:spPr>
           <a:xfrm>
-            <a:off x="7207689" y="3488429"/>
+            <a:off x="7207689" y="3712716"/>
             <a:ext cx="700375" cy="564210"/>
           </a:xfrm>
           <a:prstGeom prst="roundRect">
@@ -27970,7 +27994,7 @@
         </p:nvSpPr>
         <p:spPr>
           <a:xfrm>
-            <a:off x="8006979" y="3488429"/>
+            <a:off x="8006979" y="3712716"/>
             <a:ext cx="700375" cy="564210"/>
           </a:xfrm>
           <a:prstGeom prst="roundRect">
@@ -28017,7 +28041,7 @@
         </p:nvSpPr>
         <p:spPr>
           <a:xfrm>
-            <a:off x="6408400" y="4165672"/>
+            <a:off x="6408400" y="4389959"/>
             <a:ext cx="700375" cy="564210"/>
           </a:xfrm>
           <a:prstGeom prst="roundRect">
@@ -28064,7 +28088,7 @@
         </p:nvSpPr>
         <p:spPr>
           <a:xfrm>
-            <a:off x="7207689" y="4165672"/>
+            <a:off x="7207689" y="4389959"/>
             <a:ext cx="700375" cy="564210"/>
           </a:xfrm>
           <a:prstGeom prst="roundRect">
@@ -28111,7 +28135,7 @@
         </p:nvSpPr>
         <p:spPr>
           <a:xfrm>
-            <a:off x="8006979" y="4165672"/>
+            <a:off x="8006979" y="4389959"/>
             <a:ext cx="700375" cy="564210"/>
           </a:xfrm>
           <a:prstGeom prst="roundRect">
@@ -28158,7 +28182,7 @@
         </p:nvSpPr>
         <p:spPr>
           <a:xfrm>
-            <a:off x="4882780" y="3657031"/>
+            <a:off x="4882780" y="3881318"/>
             <a:ext cx="1426705" cy="564210"/>
           </a:xfrm>
           <a:prstGeom prst="roundRect">
@@ -28205,7 +28229,7 @@
         </p:nvSpPr>
         <p:spPr>
           <a:xfrm>
-            <a:off x="3357159" y="2191407"/>
+            <a:off x="3357159" y="2415694"/>
             <a:ext cx="1426705" cy="564210"/>
           </a:xfrm>
           <a:prstGeom prst="roundRect">
@@ -28252,7 +28276,7 @@
         </p:nvSpPr>
         <p:spPr>
           <a:xfrm>
-            <a:off x="4882780" y="4398469"/>
+            <a:off x="4882780" y="4622756"/>
             <a:ext cx="1426705" cy="564210"/>
           </a:xfrm>
           <a:prstGeom prst="roundRect">
@@ -28302,7 +28326,7 @@
         </p:nvSpPr>
         <p:spPr>
           <a:xfrm>
-            <a:off x="3357159" y="2924219"/>
+            <a:off x="3357159" y="3148506"/>
             <a:ext cx="1426705" cy="564210"/>
           </a:xfrm>
           <a:prstGeom prst="roundRect">
@@ -28349,7 +28373,7 @@
         </p:nvSpPr>
         <p:spPr>
           <a:xfrm>
-            <a:off x="3357159" y="3675512"/>
+            <a:off x="3357159" y="3899799"/>
             <a:ext cx="1426705" cy="564210"/>
           </a:xfrm>
           <a:prstGeom prst="roundRect">
@@ -28456,12 +28480,12 @@
   </p:clrMapOvr>
   <mc:AlternateContent xmlns:mc="http://schemas.openxmlformats.org/markup-compatibility/2006" xmlns:p15="http://schemas.microsoft.com/office/powerpoint/2012/main">
     <mc:Choice Requires="p15">
-      <p:transition spd="med">
+      <p:transition>
         <p15:prstTrans prst="prestige"/>
       </p:transition>
     </mc:Choice>
     <mc:Fallback xmlns="">
-      <p:transition spd="med">
+      <p:transition>
         <p:fade/>
       </p:transition>
     </mc:Fallback>
@@ -28495,14 +28519,14 @@
       </p:grpSpPr>
       <p:sp>
         <p:nvSpPr>
-          <p:cNvPr id="45" name="Rectangle 44"/>
+          <p:cNvPr id="48" name="Rectangle 47"/>
           <p:cNvSpPr/>
           <p:nvPr/>
         </p:nvSpPr>
         <p:spPr>
           <a:xfrm>
-            <a:off x="828430" y="1224951"/>
-            <a:ext cx="10480431" cy="3752491"/>
+            <a:off x="4356470" y="1224951"/>
+            <a:ext cx="6969644" cy="3752491"/>
           </a:xfrm>
           <a:prstGeom prst="rect">
             <a:avLst/>
@@ -28545,13 +28569,63 @@
       </p:sp>
       <p:sp>
         <p:nvSpPr>
+          <p:cNvPr id="45" name="Rectangle 44"/>
+          <p:cNvSpPr/>
+          <p:nvPr/>
+        </p:nvSpPr>
+        <p:spPr>
+          <a:xfrm>
+            <a:off x="828431" y="1224951"/>
+            <a:ext cx="3349760" cy="3752491"/>
+          </a:xfrm>
+          <a:prstGeom prst="rect">
+            <a:avLst/>
+          </a:prstGeom>
+          <a:solidFill>
+            <a:schemeClr val="bg1">
+              <a:alpha val="48000"/>
+            </a:schemeClr>
+          </a:solidFill>
+          <a:ln w="12700">
+            <a:solidFill>
+              <a:schemeClr val="tx1"/>
+            </a:solidFill>
+          </a:ln>
+        </p:spPr>
+        <p:style>
+          <a:lnRef idx="2">
+            <a:schemeClr val="accent1">
+              <a:shade val="50000"/>
+            </a:schemeClr>
+          </a:lnRef>
+          <a:fillRef idx="1">
+            <a:schemeClr val="accent1"/>
+          </a:fillRef>
+          <a:effectRef idx="0">
+            <a:schemeClr val="accent1"/>
+          </a:effectRef>
+          <a:fontRef idx="minor">
+            <a:schemeClr val="lt1"/>
+          </a:fontRef>
+        </p:style>
+        <p:txBody>
+          <a:bodyPr rtlCol="0" anchor="ctr"/>
+          <a:lstStyle/>
+          <a:p>
+            <a:pPr algn="ctr"/>
+            <a:endParaRPr lang="fr-FR" sz="1200"/>
+          </a:p>
+        </p:txBody>
+      </p:sp>
+      <p:sp>
+        <p:nvSpPr>
           <p:cNvPr id="21" name="Ellipse 20"/>
           <p:cNvSpPr/>
           <p:nvPr/>
         </p:nvSpPr>
         <p:spPr>
           <a:xfrm>
-            <a:off x="6503392" y="2710055"/>
+            <a:off x="7547437" y="2696188"/>
             <a:ext cx="319177" cy="336430"/>
           </a:xfrm>
           <a:prstGeom prst="ellipse">
@@ -28594,7 +28668,7 @@
         </p:nvSpPr>
         <p:spPr>
           <a:xfrm>
-            <a:off x="8110696" y="2705767"/>
+            <a:off x="9154741" y="2691900"/>
             <a:ext cx="319177" cy="336430"/>
           </a:xfrm>
           <a:prstGeom prst="ellipse">
@@ -28640,7 +28714,7 @@
         </p:nvCxnSpPr>
         <p:spPr>
           <a:xfrm flipH="1">
-            <a:off x="6662979" y="3346995"/>
+            <a:off x="7707024" y="3333128"/>
             <a:ext cx="1087" cy="687481"/>
           </a:xfrm>
           <a:prstGeom prst="straightConnector1">
@@ -28679,7 +28753,7 @@
         </p:nvCxnSpPr>
         <p:spPr>
           <a:xfrm flipV="1">
-            <a:off x="8270285" y="2132010"/>
+            <a:off x="9314330" y="2118143"/>
             <a:ext cx="1" cy="573757"/>
           </a:xfrm>
           <a:prstGeom prst="straightConnector1">
@@ -28715,7 +28789,7 @@
         </p:nvSpPr>
         <p:spPr>
           <a:xfrm>
-            <a:off x="3229442" y="2702890"/>
+            <a:off x="2390679" y="3253233"/>
             <a:ext cx="319177" cy="336430"/>
           </a:xfrm>
           <a:prstGeom prst="ellipse">
@@ -28753,14 +28827,12 @@
       <p:cxnSp>
         <p:nvCxnSpPr>
           <p:cNvPr id="26" name="Connecteur droit avec flèche 25"/>
-          <p:cNvCxnSpPr>
-            <a:stCxn id="25" idx="0"/>
-          </p:cNvCxnSpPr>
+          <p:cNvCxnSpPr/>
           <p:nvPr/>
         </p:nvCxnSpPr>
         <p:spPr>
           <a:xfrm flipV="1">
-            <a:off x="3389031" y="2183869"/>
+            <a:off x="2589743" y="2705510"/>
             <a:ext cx="5415" cy="519021"/>
           </a:xfrm>
           <a:prstGeom prst="straightConnector1">
@@ -28796,7 +28868,7 @@
         </p:nvSpPr>
         <p:spPr>
           <a:xfrm>
-            <a:off x="6058119" y="3069996"/>
+            <a:off x="7102164" y="3056129"/>
             <a:ext cx="1211894" cy="276999"/>
           </a:xfrm>
           <a:prstGeom prst="rect">
@@ -28829,7 +28901,7 @@
         </p:nvSpPr>
         <p:spPr>
           <a:xfrm>
-            <a:off x="7753710" y="3069996"/>
+            <a:off x="8797755" y="3056129"/>
             <a:ext cx="1211894" cy="276999"/>
           </a:xfrm>
           <a:prstGeom prst="rect">
@@ -28862,7 +28934,7 @@
         </p:nvSpPr>
         <p:spPr>
           <a:xfrm>
-            <a:off x="2583051" y="3068022"/>
+            <a:off x="1744288" y="3618365"/>
             <a:ext cx="1788300" cy="276999"/>
           </a:xfrm>
           <a:prstGeom prst="rect">
@@ -28895,7 +28967,7 @@
         </p:nvSpPr>
         <p:spPr>
           <a:xfrm>
-            <a:off x="2628285" y="1565334"/>
+            <a:off x="1789522" y="2115677"/>
             <a:ext cx="1521490" cy="564210"/>
           </a:xfrm>
           <a:prstGeom prst="roundRect">
@@ -28956,7 +29028,7 @@
         </p:nvSpPr>
         <p:spPr>
           <a:xfrm>
-            <a:off x="5988120" y="4034476"/>
+            <a:off x="7032165" y="4020609"/>
             <a:ext cx="1349717" cy="564210"/>
           </a:xfrm>
           <a:prstGeom prst="roundRect">
@@ -29017,7 +29089,7 @@
         </p:nvSpPr>
         <p:spPr>
           <a:xfrm>
-            <a:off x="5954165" y="1566978"/>
+            <a:off x="6998210" y="1553111"/>
             <a:ext cx="1417628" cy="564210"/>
           </a:xfrm>
           <a:prstGeom prst="roundRect">
@@ -29078,7 +29150,7 @@
         </p:nvSpPr>
         <p:spPr>
           <a:xfrm>
-            <a:off x="7569271" y="1567800"/>
+            <a:off x="8613316" y="1553933"/>
             <a:ext cx="1402029" cy="564210"/>
           </a:xfrm>
           <a:prstGeom prst="roundRect">
@@ -29139,7 +29211,7 @@
         </p:nvSpPr>
         <p:spPr>
           <a:xfrm>
-            <a:off x="4368108" y="1565334"/>
+            <a:off x="5412153" y="1551467"/>
             <a:ext cx="1402029" cy="564210"/>
           </a:xfrm>
           <a:prstGeom prst="roundRect">
@@ -29200,7 +29272,7 @@
         </p:nvSpPr>
         <p:spPr>
           <a:xfrm>
-            <a:off x="7664329" y="4027970"/>
+            <a:off x="8708374" y="4014103"/>
             <a:ext cx="1688862" cy="564210"/>
           </a:xfrm>
           <a:prstGeom prst="roundRect">
@@ -29264,7 +29336,7 @@
         </p:nvCxnSpPr>
         <p:spPr>
           <a:xfrm flipH="1" flipV="1">
-            <a:off x="6662979" y="2131188"/>
+            <a:off x="7707024" y="2117321"/>
             <a:ext cx="2" cy="578867"/>
           </a:xfrm>
           <a:prstGeom prst="straightConnector1">
@@ -29302,7 +29374,7 @@
         </p:nvCxnSpPr>
         <p:spPr>
           <a:xfrm flipH="1">
-            <a:off x="7250569" y="3346995"/>
+            <a:off x="8294614" y="3333128"/>
             <a:ext cx="1109088" cy="685837"/>
           </a:xfrm>
           <a:prstGeom prst="straightConnector1">
@@ -29341,7 +29413,7 @@
         </p:nvCxnSpPr>
         <p:spPr>
           <a:xfrm>
-            <a:off x="8359657" y="3346995"/>
+            <a:off x="9403702" y="3333128"/>
             <a:ext cx="149103" cy="680975"/>
           </a:xfrm>
           <a:prstGeom prst="straightConnector1">
@@ -29377,7 +29449,7 @@
         </p:nvSpPr>
         <p:spPr>
           <a:xfrm>
-            <a:off x="4927243" y="2705767"/>
+            <a:off x="5971288" y="2691900"/>
             <a:ext cx="319177" cy="336430"/>
           </a:xfrm>
           <a:prstGeom prst="ellipse">
@@ -29420,7 +29492,7 @@
         </p:nvSpPr>
         <p:spPr>
           <a:xfrm>
-            <a:off x="4486823" y="3079363"/>
+            <a:off x="5530868" y="3065496"/>
             <a:ext cx="1141444" cy="276999"/>
           </a:xfrm>
           <a:prstGeom prst="rect">
@@ -29456,7 +29528,7 @@
         </p:nvCxnSpPr>
         <p:spPr>
           <a:xfrm flipH="1" flipV="1">
-            <a:off x="5069123" y="2129544"/>
+            <a:off x="6113168" y="2115677"/>
             <a:ext cx="17709" cy="576223"/>
           </a:xfrm>
           <a:prstGeom prst="straightConnector1">
@@ -29492,7 +29564,7 @@
         </p:nvSpPr>
         <p:spPr>
           <a:xfrm>
-            <a:off x="4362218" y="4039861"/>
+            <a:off x="5406263" y="4025994"/>
             <a:ext cx="1390655" cy="564210"/>
           </a:xfrm>
           <a:prstGeom prst="roundRect">
@@ -29556,7 +29628,7 @@
         </p:nvCxnSpPr>
         <p:spPr>
           <a:xfrm flipH="1">
-            <a:off x="5057546" y="3346995"/>
+            <a:off x="6101591" y="3333128"/>
             <a:ext cx="1606520" cy="692866"/>
           </a:xfrm>
           <a:prstGeom prst="straightConnector1">
@@ -29594,7 +29666,7 @@
         </p:nvCxnSpPr>
         <p:spPr>
           <a:xfrm>
-            <a:off x="5057545" y="3356362"/>
+            <a:off x="6101590" y="3342495"/>
             <a:ext cx="1167992" cy="668398"/>
           </a:xfrm>
           <a:prstGeom prst="straightConnector1">
@@ -30037,12 +30109,12 @@
   </p:clrMapOvr>
   <mc:AlternateContent xmlns:mc="http://schemas.openxmlformats.org/markup-compatibility/2006" xmlns:p15="http://schemas.microsoft.com/office/powerpoint/2012/main">
     <mc:Choice Requires="p15">
-      <p:transition spd="med">
+      <p:transition>
         <p15:prstTrans prst="prestige"/>
       </p:transition>
     </mc:Choice>
     <mc:Fallback xmlns="">
-      <p:transition spd="med">
+      <p:transition>
         <p:fade/>
       </p:transition>
     </mc:Fallback>
@@ -30082,7 +30154,7 @@
         </p:nvSpPr>
         <p:spPr>
           <a:xfrm>
-            <a:off x="828430" y="1190445"/>
+            <a:off x="828430" y="1203892"/>
             <a:ext cx="10480431" cy="4999340"/>
           </a:xfrm>
           <a:prstGeom prst="rect">
@@ -30700,7 +30772,7 @@
         <p:spPr>
           <a:xfrm>
             <a:off x="8396476" y="4577015"/>
-            <a:ext cx="1229369" cy="738664"/>
+            <a:ext cx="1729159" cy="523220"/>
           </a:xfrm>
           <a:prstGeom prst="rect">
             <a:avLst/>
@@ -30837,12 +30909,12 @@
   </p:clrMapOvr>
   <mc:AlternateContent xmlns:mc="http://schemas.openxmlformats.org/markup-compatibility/2006" xmlns:p15="http://schemas.microsoft.com/office/powerpoint/2012/main">
     <mc:Choice Requires="p15">
-      <p:transition spd="med">
+      <p:transition>
         <p15:prstTrans prst="prestige"/>
       </p:transition>
     </mc:Choice>
     <mc:Fallback xmlns="">
-      <p:transition spd="med">
+      <p:transition>
         <p:fade/>
       </p:transition>
     </mc:Fallback>
@@ -31574,12 +31646,12 @@
   </p:clrMapOvr>
   <mc:AlternateContent xmlns:mc="http://schemas.openxmlformats.org/markup-compatibility/2006" xmlns:p15="http://schemas.microsoft.com/office/powerpoint/2012/main">
     <mc:Choice Requires="p15">
-      <p:transition spd="med">
+      <p:transition>
         <p15:prstTrans prst="prestige"/>
       </p:transition>
     </mc:Choice>
     <mc:Fallback xmlns="">
-      <p:transition spd="med">
+      <p:transition>
         <p:fade/>
       </p:transition>
     </mc:Fallback>

--- a/Soutenance.pptx
+++ b/Soutenance.pptx
@@ -260,7 +260,7 @@
           <a:p>
             <a:fld id="{50C92FE2-A3E6-4695-9499-6F289CE07377}" type="datetimeFigureOut">
               <a:rPr lang="fr-FR" smtClean="0"/>
-              <a:t>19/06/2017</a:t>
+              <a:t>20/06/2017</a:t>
             </a:fld>
             <a:endParaRPr lang="fr-FR"/>
           </a:p>
@@ -442,7 +442,7 @@
           <a:p>
             <a:fld id="{50C92FE2-A3E6-4695-9499-6F289CE07377}" type="datetimeFigureOut">
               <a:rPr lang="fr-FR" smtClean="0"/>
-              <a:t>19/06/2017</a:t>
+              <a:t>20/06/2017</a:t>
             </a:fld>
             <a:endParaRPr lang="fr-FR"/>
           </a:p>
@@ -634,7 +634,7 @@
           <a:p>
             <a:fld id="{50C92FE2-A3E6-4695-9499-6F289CE07377}" type="datetimeFigureOut">
               <a:rPr lang="fr-FR" smtClean="0"/>
-              <a:t>19/06/2017</a:t>
+              <a:t>20/06/2017</a:t>
             </a:fld>
             <a:endParaRPr lang="fr-FR"/>
           </a:p>
@@ -816,7 +816,7 @@
           <a:p>
             <a:fld id="{50C92FE2-A3E6-4695-9499-6F289CE07377}" type="datetimeFigureOut">
               <a:rPr lang="fr-FR" smtClean="0"/>
-              <a:t>19/06/2017</a:t>
+              <a:t>20/06/2017</a:t>
             </a:fld>
             <a:endParaRPr lang="fr-FR"/>
           </a:p>
@@ -1074,7 +1074,7 @@
           <a:p>
             <a:fld id="{50C92FE2-A3E6-4695-9499-6F289CE07377}" type="datetimeFigureOut">
               <a:rPr lang="fr-FR" smtClean="0"/>
-              <a:t>19/06/2017</a:t>
+              <a:t>20/06/2017</a:t>
             </a:fld>
             <a:endParaRPr lang="fr-FR"/>
           </a:p>
@@ -1318,7 +1318,7 @@
           <a:p>
             <a:fld id="{50C92FE2-A3E6-4695-9499-6F289CE07377}" type="datetimeFigureOut">
               <a:rPr lang="fr-FR" smtClean="0"/>
-              <a:t>19/06/2017</a:t>
+              <a:t>20/06/2017</a:t>
             </a:fld>
             <a:endParaRPr lang="fr-FR"/>
           </a:p>
@@ -1697,7 +1697,7 @@
           <a:p>
             <a:fld id="{50C92FE2-A3E6-4695-9499-6F289CE07377}" type="datetimeFigureOut">
               <a:rPr lang="fr-FR" smtClean="0"/>
-              <a:t>19/06/2017</a:t>
+              <a:t>20/06/2017</a:t>
             </a:fld>
             <a:endParaRPr lang="fr-FR"/>
           </a:p>
@@ -1827,7 +1827,7 @@
           <a:p>
             <a:fld id="{50C92FE2-A3E6-4695-9499-6F289CE07377}" type="datetimeFigureOut">
               <a:rPr lang="fr-FR" smtClean="0"/>
-              <a:t>19/06/2017</a:t>
+              <a:t>20/06/2017</a:t>
             </a:fld>
             <a:endParaRPr lang="fr-FR"/>
           </a:p>
@@ -1934,7 +1934,7 @@
           <a:p>
             <a:fld id="{50C92FE2-A3E6-4695-9499-6F289CE07377}" type="datetimeFigureOut">
               <a:rPr lang="fr-FR" smtClean="0"/>
-              <a:t>19/06/2017</a:t>
+              <a:t>20/06/2017</a:t>
             </a:fld>
             <a:endParaRPr lang="fr-FR"/>
           </a:p>
@@ -2223,7 +2223,7 @@
           <a:p>
             <a:fld id="{50C92FE2-A3E6-4695-9499-6F289CE07377}" type="datetimeFigureOut">
               <a:rPr lang="fr-FR" smtClean="0"/>
-              <a:t>19/06/2017</a:t>
+              <a:t>20/06/2017</a:t>
             </a:fld>
             <a:endParaRPr lang="fr-FR"/>
           </a:p>
@@ -2488,7 +2488,7 @@
           <a:p>
             <a:fld id="{50C92FE2-A3E6-4695-9499-6F289CE07377}" type="datetimeFigureOut">
               <a:rPr lang="fr-FR" smtClean="0"/>
-              <a:t>19/06/2017</a:t>
+              <a:t>20/06/2017</a:t>
             </a:fld>
             <a:endParaRPr lang="fr-FR"/>
           </a:p>
@@ -2723,7 +2723,7 @@
           <a:p>
             <a:fld id="{50C92FE2-A3E6-4695-9499-6F289CE07377}" type="datetimeFigureOut">
               <a:rPr lang="fr-FR" smtClean="0"/>
-              <a:t>19/06/2017</a:t>
+              <a:t>20/06/2017</a:t>
             </a:fld>
             <a:endParaRPr lang="fr-FR"/>
           </a:p>
@@ -31004,8 +31004,8 @@
         </p:nvSpPr>
         <p:spPr>
           <a:xfrm>
-            <a:off x="3177937" y="2272168"/>
-            <a:ext cx="2643108" cy="1634645"/>
+            <a:off x="2257724" y="2337165"/>
+            <a:ext cx="4437081" cy="1634645"/>
           </a:xfrm>
           <a:prstGeom prst="roundRect">
             <a:avLst>
@@ -31038,7 +31038,7 @@
           <a:p>
             <a:r>
               <a:rPr lang="fr-FR" sz="1400" dirty="0" smtClean="0"/>
-              <a:t>Controller</a:t>
+              <a:t>Role XXX Controller</a:t>
             </a:r>
             <a:endParaRPr lang="fr-FR" sz="1400" dirty="0"/>
           </a:p>
@@ -31052,7 +31052,7 @@
         </p:nvSpPr>
         <p:spPr>
           <a:xfrm>
-            <a:off x="3540245" y="2854502"/>
+            <a:off x="4414005" y="2919499"/>
             <a:ext cx="1984075" cy="616990"/>
           </a:xfrm>
           <a:prstGeom prst="roundRect">
@@ -31107,7 +31107,7 @@
         </p:nvSpPr>
         <p:spPr>
           <a:xfrm>
-            <a:off x="6798155" y="1338052"/>
+            <a:off x="7671915" y="1403049"/>
             <a:ext cx="2211787" cy="1634645"/>
           </a:xfrm>
           <a:prstGeom prst="roundRect">
@@ -31155,7 +31155,7 @@
         </p:nvSpPr>
         <p:spPr>
           <a:xfrm>
-            <a:off x="7171967" y="1927112"/>
+            <a:off x="8045727" y="1992109"/>
             <a:ext cx="1498120" cy="616990"/>
           </a:xfrm>
           <a:prstGeom prst="roundRect">
@@ -31206,7 +31206,7 @@
         </p:nvSpPr>
         <p:spPr>
           <a:xfrm>
-            <a:off x="6798155" y="3759199"/>
+            <a:off x="7671915" y="3824196"/>
             <a:ext cx="2211787" cy="1634645"/>
           </a:xfrm>
           <a:prstGeom prst="roundRect">
@@ -31254,7 +31254,7 @@
         </p:nvSpPr>
         <p:spPr>
           <a:xfrm>
-            <a:off x="7171967" y="4348259"/>
+            <a:off x="8045727" y="4413256"/>
             <a:ext cx="1498120" cy="616990"/>
           </a:xfrm>
           <a:prstGeom prst="roundRect">
@@ -31309,7 +31309,7 @@
         </p:nvSpPr>
         <p:spPr>
           <a:xfrm>
-            <a:off x="3422351" y="4576521"/>
+            <a:off x="4296111" y="4641518"/>
             <a:ext cx="2211787" cy="1634645"/>
           </a:xfrm>
           <a:prstGeom prst="roundRect">
@@ -31357,7 +31357,7 @@
         </p:nvSpPr>
         <p:spPr>
           <a:xfrm>
-            <a:off x="3796163" y="5165581"/>
+            <a:off x="4669923" y="5230578"/>
             <a:ext cx="1498120" cy="616990"/>
           </a:xfrm>
           <a:prstGeom prst="roundRect">
@@ -31411,7 +31411,7 @@
         </p:nvCxnSpPr>
         <p:spPr>
           <a:xfrm>
-            <a:off x="4532283" y="3471492"/>
+            <a:off x="5406043" y="3536489"/>
             <a:ext cx="12940" cy="1694089"/>
           </a:xfrm>
           <a:prstGeom prst="line">
@@ -31448,7 +31448,7 @@
         </p:nvSpPr>
         <p:spPr>
           <a:xfrm>
-            <a:off x="5891349" y="3085579"/>
+            <a:off x="6765109" y="3150576"/>
             <a:ext cx="1366678" cy="523220"/>
           </a:xfrm>
           <a:prstGeom prst="rect">
@@ -31478,7 +31478,7 @@
         </p:nvSpPr>
         <p:spPr>
           <a:xfrm>
-            <a:off x="3223926" y="4020174"/>
+            <a:off x="4097686" y="4085171"/>
             <a:ext cx="1366678" cy="523220"/>
           </a:xfrm>
           <a:prstGeom prst="rect">
@@ -31566,7 +31566,7 @@
         </p:nvCxnSpPr>
         <p:spPr>
           <a:xfrm>
-            <a:off x="5522333" y="3439645"/>
+            <a:off x="6396093" y="3504642"/>
             <a:ext cx="1649634" cy="1217109"/>
           </a:xfrm>
           <a:prstGeom prst="line">
@@ -31605,7 +31605,7 @@
         </p:nvCxnSpPr>
         <p:spPr>
           <a:xfrm flipV="1">
-            <a:off x="5522333" y="2235607"/>
+            <a:off x="6396093" y="2300604"/>
             <a:ext cx="1649634" cy="792666"/>
           </a:xfrm>
           <a:prstGeom prst="line">
@@ -31634,6 +31634,61 @@
           </a:fontRef>
         </p:style>
       </p:cxnSp>
+      <p:sp>
+        <p:nvSpPr>
+          <p:cNvPr id="18" name="Rectangle à coins arrondis 17"/>
+          <p:cNvSpPr/>
+          <p:nvPr/>
+        </p:nvSpPr>
+        <p:spPr>
+          <a:xfrm>
+            <a:off x="2523208" y="2919499"/>
+            <a:ext cx="1737204" cy="616990"/>
+          </a:xfrm>
+          <a:prstGeom prst="roundRect">
+            <a:avLst/>
+          </a:prstGeom>
+          <a:ln>
+            <a:solidFill>
+              <a:schemeClr val="tx1"/>
+            </a:solidFill>
+          </a:ln>
+        </p:spPr>
+        <p:style>
+          <a:lnRef idx="1">
+            <a:schemeClr val="accent3"/>
+          </a:lnRef>
+          <a:fillRef idx="2">
+            <a:schemeClr val="accent3"/>
+          </a:fillRef>
+          <a:effectRef idx="1">
+            <a:schemeClr val="accent3"/>
+          </a:effectRef>
+          <a:fontRef idx="minor">
+            <a:schemeClr val="dk1"/>
+          </a:fontRef>
+        </p:style>
+        <p:txBody>
+          <a:bodyPr rtlCol="0" anchor="ctr"/>
+          <a:lstStyle/>
+          <a:p>
+            <a:pPr algn="ctr"/>
+            <a:r>
+              <a:rPr lang="fr-FR" sz="1200" dirty="0" err="1" smtClean="0"/>
+              <a:t>Turn</a:t>
+            </a:r>
+            <a:r>
+              <a:rPr lang="fr-FR" sz="1200" dirty="0" smtClean="0"/>
+              <a:t> </a:t>
+            </a:r>
+            <a:r>
+              <a:rPr lang="fr-FR" sz="1200" dirty="0" smtClean="0"/>
+              <a:t>Behaviour</a:t>
+            </a:r>
+            <a:endParaRPr lang="fr-FR" sz="1200" dirty="0"/>
+          </a:p>
+        </p:txBody>
+      </p:sp>
     </p:spTree>
     <p:extLst>
       <p:ext uri="{BB962C8B-B14F-4D97-AF65-F5344CB8AC3E}">
